--- a/多层感知机-PyTorch实现.pptx
+++ b/多层感知机-PyTorch实现.pptx
@@ -127,7 +127,7 @@
       </a:defRPr>
     </a:lvl9pPr>
   </p:defaultTextStyle>
-  <p:modifyVerifier cryptProviderType="rsaFull" cryptAlgorithmClass="hash" cryptAlgorithmType="typeAny" cryptAlgorithmSid="4" spinCount="100000" saltData="3ehqaH1iy7bXSbR45V6wIA==" hashData="HOHBx7WiRNcLQRFNNeasb3gRcoo="/>
+  <p:modifyVerifier cryptProviderType="rsaFull" cryptAlgorithmClass="hash" cryptAlgorithmType="typeAny" cryptAlgorithmSid="4" spinCount="100000" saltData="11mgAGmF3L99yA9eZPjQgA==" hashData="l+mpkUhBs/DOmtHqtK7DkTXphNw="/>
 </p:presentation>
 </file>
 
@@ -4669,9 +4669,9 @@
           <a:p>
             <a:r>
               <a:rPr lang="zh-CN" altLang="en-US"/>
-              <a:t>tanh函数</a:t>
-            </a:r>
-            <a:endParaRPr lang="zh-CN" altLang="en-US"/>
+              <a:t>tanh函数（双曲正切）</a:t>
+            </a:r>
+            <a:endParaRPr lang="en-US" altLang="zh-CN"/>
           </a:p>
         </p:txBody>
       </p:sp>
